--- a/Async.pptx
+++ b/Async.pptx
@@ -3631,7 +3631,7 @@
         <p:spPr>
           <a:xfrm>
             <a:off x="113210" y="6314436"/>
-            <a:ext cx="11173097" cy="253916"/>
+            <a:ext cx="11173097" cy="415498"/>
           </a:xfrm>
           <a:prstGeom prst="rect">
             <a:avLst/>
@@ -3645,8 +3645,24 @@
           <a:p>
             <a:r>
               <a:rPr lang="en-US" sz="1050" dirty="0"/>
-              <a:t>Reference: https://docs.microsoft.com/en-us/aspnet/core/performance/performance-best-practices?view=aspnetcore-5.0</a:t>
-            </a:r>
+              <a:t>Reference: </a:t>
+            </a:r>
+            <a:r>
+              <a:rPr lang="en-US" sz="1050" dirty="0">
+                <a:hlinkClick r:id="rId8"/>
+              </a:rPr>
+              <a:t>https://docs.microsoft.com/en-us/aspnet/core/performance/performance-best-practices?view</a:t>
+            </a:r>
+            <a:r>
+              <a:rPr lang="en-US" sz="1050">
+                <a:hlinkClick r:id="rId8"/>
+              </a:rPr>
+              <a:t>=aspnetcore-5.0</a:t>
+            </a:r>
+            <a:endParaRPr lang="en-US" sz="1050"/>
+          </a:p>
+          <a:p>
+            <a:endParaRPr lang="en-US" sz="1050" dirty="0"/>
           </a:p>
         </p:txBody>
       </p:sp>
@@ -3784,7 +3800,7 @@
         <p:spPr>
           <a:xfrm>
             <a:off x="113210" y="6314436"/>
-            <a:ext cx="11173097" cy="253916"/>
+            <a:ext cx="11173097" cy="415498"/>
           </a:xfrm>
           <a:prstGeom prst="rect">
             <a:avLst/>
@@ -3798,8 +3814,18 @@
           <a:p>
             <a:r>
               <a:rPr lang="en-US" sz="1050" dirty="0"/>
-              <a:t>Reference: https://www.carlrippon.com/scalable-and-performant-asp-net-core-web-apis-asynchronous-operations/</a:t>
-            </a:r>
+              <a:t>Reference: </a:t>
+            </a:r>
+            <a:r>
+              <a:rPr lang="en-US" sz="1050" dirty="0">
+                <a:hlinkClick r:id="rId2"/>
+              </a:rPr>
+              <a:t>https://www.carlrippon.com/scalable-and-performant-asp-net-core-web-apis-asynchronous-operations/</a:t>
+            </a:r>
+            <a:endParaRPr lang="en-US" sz="1050" dirty="0"/>
+          </a:p>
+          <a:p>
+            <a:endParaRPr lang="en-US" sz="1050" dirty="0"/>
           </a:p>
         </p:txBody>
       </p:sp>
@@ -3908,7 +3934,7 @@
         <p:spPr>
           <a:xfrm>
             <a:off x="113210" y="6314436"/>
-            <a:ext cx="11173097" cy="415498"/>
+            <a:ext cx="11173097" cy="577081"/>
           </a:xfrm>
           <a:prstGeom prst="rect">
             <a:avLst/>
@@ -3922,8 +3948,18 @@
           <a:p>
             <a:r>
               <a:rPr lang="en-US" sz="1050" dirty="0"/>
-              <a:t>Reference: https://dev.azure.com/Navitaire/dotREZApi-Scrum/_git/dotrez-nsk-api?path=/src/Navitaire.DotRez.Nsk.Resources.User/Services/ResourcesService.cs&amp;version=GBRelease-4.5.0&amp;_a=contents</a:t>
-            </a:r>
+              <a:t>Reference: </a:t>
+            </a:r>
+            <a:r>
+              <a:rPr lang="en-US" sz="1050" dirty="0">
+                <a:hlinkClick r:id="rId3"/>
+              </a:rPr>
+              <a:t>https://dev.azure.com/Navitaire/dotREZApi-Scrum/_git/dotrez-nsk-api?path=/src/Navitaire.DotRez.Nsk.Resources.User/Services/ResourcesService.cs&amp;version=GBRelease-4.5.0&amp;_a=contents</a:t>
+            </a:r>
+            <a:endParaRPr lang="en-US" sz="1050" dirty="0"/>
+          </a:p>
+          <a:p>
+            <a:endParaRPr lang="en-US" sz="1050" dirty="0"/>
           </a:p>
         </p:txBody>
       </p:sp>
@@ -4135,7 +4171,7 @@
         <p:spPr>
           <a:xfrm>
             <a:off x="113210" y="6314436"/>
-            <a:ext cx="11173097" cy="253916"/>
+            <a:ext cx="11173097" cy="577081"/>
           </a:xfrm>
           <a:prstGeom prst="rect">
             <a:avLst/>
@@ -4149,8 +4185,27 @@
           <a:p>
             <a:r>
               <a:rPr lang="en-US" sz="1050" dirty="0"/>
-              <a:t>Reference: https://markheath.net/post/async-antipatterns</a:t>
-            </a:r>
+              <a:t>References: </a:t>
+            </a:r>
+            <a:r>
+              <a:rPr lang="en-US" sz="1050" dirty="0">
+                <a:hlinkClick r:id="rId2"/>
+              </a:rPr>
+              <a:t>https://markheath.net/post/async-antipatterns</a:t>
+            </a:r>
+            <a:endParaRPr lang="en-US" sz="1050" dirty="0"/>
+          </a:p>
+          <a:p>
+            <a:r>
+              <a:rPr lang="en-US" sz="1050" dirty="0">
+                <a:hlinkClick r:id="rId3"/>
+              </a:rPr>
+              <a:t>https://devblogs.microsoft.com/dotnet/configureawait-faq/</a:t>
+            </a:r>
+            <a:endParaRPr lang="en-US" sz="1050" dirty="0"/>
+          </a:p>
+          <a:p>
+            <a:endParaRPr lang="en-US" sz="1050" dirty="0"/>
           </a:p>
         </p:txBody>
       </p:sp>

--- a/Async.pptx
+++ b/Async.pptx
@@ -10,6 +10,7 @@
     <p:sldId id="258" r:id="rId4"/>
     <p:sldId id="259" r:id="rId5"/>
     <p:sldId id="260" r:id="rId6"/>
+    <p:sldId id="261" r:id="rId7"/>
   </p:sldIdLst>
   <p:sldSz cx="12192000" cy="6858000"/>
   <p:notesSz cx="6858000" cy="9144000"/>
@@ -3651,15 +3652,9 @@
               <a:rPr lang="en-US" sz="1050" dirty="0">
                 <a:hlinkClick r:id="rId8"/>
               </a:rPr>
-              <a:t>https://docs.microsoft.com/en-us/aspnet/core/performance/performance-best-practices?view</a:t>
-            </a:r>
-            <a:r>
-              <a:rPr lang="en-US" sz="1050">
-                <a:hlinkClick r:id="rId8"/>
-              </a:rPr>
-              <a:t>=aspnetcore-5.0</a:t>
-            </a:r>
-            <a:endParaRPr lang="en-US" sz="1050"/>
+              <a:t>https://docs.microsoft.com/en-us/aspnet/core/performance/performance-best-practices?view=aspnetcore-5.0</a:t>
+            </a:r>
+            <a:endParaRPr lang="en-US" sz="1050" dirty="0"/>
           </a:p>
           <a:p>
             <a:endParaRPr lang="en-US" sz="1050" dirty="0"/>
@@ -4045,7 +4040,7 @@
         </p:spPr>
         <p:txBody>
           <a:bodyPr>
-            <a:normAutofit fontScale="92500" lnSpcReduction="20000"/>
+            <a:normAutofit fontScale="70000" lnSpcReduction="20000"/>
           </a:bodyPr>
           <a:lstStyle/>
           <a:p>
@@ -4089,6 +4084,20 @@
             </a:r>
           </a:p>
           <a:p>
+            <a:pPr lvl="1"/>
+            <a:r>
+              <a:rPr lang="en-US" dirty="0"/>
+              <a:t>Real world example: </a:t>
+            </a:r>
+            <a:r>
+              <a:rPr lang="en-US" dirty="0" err="1">
+                <a:hlinkClick r:id="rId2"/>
+              </a:rPr>
+              <a:t>DeltaMapper</a:t>
+            </a:r>
+            <a:endParaRPr lang="en-US" dirty="0"/>
+          </a:p>
+          <a:p>
             <a:pPr marL="457200" indent="-457200">
               <a:buFont typeface="+mj-lt"/>
               <a:buAutoNum type="arabicPeriod"/>
@@ -4133,6 +4142,20 @@
               <a:rPr lang="en-US" dirty="0"/>
               <a:t>Excessive parallelization</a:t>
             </a:r>
+          </a:p>
+          <a:p>
+            <a:pPr lvl="1"/>
+            <a:r>
+              <a:rPr lang="en-US" dirty="0"/>
+              <a:t>Real world example: </a:t>
+            </a:r>
+            <a:r>
+              <a:rPr lang="en-US" dirty="0">
+                <a:hlinkClick r:id="rId3"/>
+              </a:rPr>
+              <a:t>Graph QL Dotnet</a:t>
+            </a:r>
+            <a:endParaRPr lang="en-US" dirty="0"/>
           </a:p>
           <a:p>
             <a:pPr marL="457200" indent="-457200">
@@ -4189,7 +4212,7 @@
             </a:r>
             <a:r>
               <a:rPr lang="en-US" sz="1050" dirty="0">
-                <a:hlinkClick r:id="rId2"/>
+                <a:hlinkClick r:id="rId4"/>
               </a:rPr>
               <a:t>https://markheath.net/post/async-antipatterns</a:t>
             </a:r>
@@ -4198,7 +4221,7 @@
           <a:p>
             <a:r>
               <a:rPr lang="en-US" sz="1050" dirty="0">
-                <a:hlinkClick r:id="rId3"/>
+                <a:hlinkClick r:id="rId5"/>
               </a:rPr>
               <a:t>https://devblogs.microsoft.com/dotnet/configureawait-faq/</a:t>
             </a:r>
@@ -4213,6 +4236,113 @@
     <p:extLst>
       <p:ext uri="{BB962C8B-B14F-4D97-AF65-F5344CB8AC3E}">
         <p14:creationId xmlns:p14="http://schemas.microsoft.com/office/powerpoint/2010/main" val="1325531457"/>
+      </p:ext>
+    </p:extLst>
+  </p:cSld>
+  <p:clrMapOvr>
+    <a:masterClrMapping/>
+  </p:clrMapOvr>
+</p:sld>
+</file>
+
+<file path=ppt/slides/slide6.xml><?xml version="1.0" encoding="utf-8"?>
+<p:sld xmlns:a="http://schemas.openxmlformats.org/drawingml/2006/main" xmlns:r="http://schemas.openxmlformats.org/officeDocument/2006/relationships" xmlns:p="http://schemas.openxmlformats.org/presentationml/2006/main">
+  <p:cSld>
+    <p:spTree>
+      <p:nvGrpSpPr>
+        <p:cNvPr id="1" name=""/>
+        <p:cNvGrpSpPr/>
+        <p:nvPr/>
+      </p:nvGrpSpPr>
+      <p:grpSpPr>
+        <a:xfrm>
+          <a:off x="0" y="0"/>
+          <a:ext cx="0" cy="0"/>
+          <a:chOff x="0" y="0"/>
+          <a:chExt cx="0" cy="0"/>
+        </a:xfrm>
+      </p:grpSpPr>
+      <p:sp>
+        <p:nvSpPr>
+          <p:cNvPr id="2" name="Title 1">
+            <a:extLst>
+              <a:ext uri="{FF2B5EF4-FFF2-40B4-BE49-F238E27FC236}">
+                <a16:creationId xmlns:a16="http://schemas.microsoft.com/office/drawing/2014/main" id="{BC02F0B4-B3DB-4B98-A3EC-F6BEFCBBB003}"/>
+              </a:ext>
+            </a:extLst>
+          </p:cNvPr>
+          <p:cNvSpPr>
+            <a:spLocks noGrp="1"/>
+          </p:cNvSpPr>
+          <p:nvPr>
+            <p:ph type="title"/>
+          </p:nvPr>
+        </p:nvSpPr>
+        <p:spPr/>
+        <p:txBody>
+          <a:bodyPr/>
+          <a:lstStyle/>
+          <a:p>
+            <a:r>
+              <a:rPr lang="en-US" dirty="0"/>
+              <a:t>Resources ASYNC</a:t>
+            </a:r>
+          </a:p>
+        </p:txBody>
+      </p:sp>
+      <p:pic>
+        <p:nvPicPr>
+          <p:cNvPr id="2050" name="Picture 2" descr="image">
+            <a:extLst>
+              <a:ext uri="{FF2B5EF4-FFF2-40B4-BE49-F238E27FC236}">
+                <a16:creationId xmlns:a16="http://schemas.microsoft.com/office/drawing/2014/main" id="{50F4E62A-7633-4773-A471-8B30366AAA99}"/>
+              </a:ext>
+            </a:extLst>
+          </p:cNvPr>
+          <p:cNvPicPr>
+            <a:picLocks noGrp="1" noChangeAspect="1" noChangeArrowheads="1"/>
+          </p:cNvPicPr>
+          <p:nvPr>
+            <p:ph idx="1"/>
+          </p:nvPr>
+        </p:nvPicPr>
+        <p:blipFill>
+          <a:blip r:embed="rId2">
+            <a:extLst>
+              <a:ext uri="{28A0092B-C50C-407E-A947-70E740481C1C}">
+                <a14:useLocalDpi xmlns:a14="http://schemas.microsoft.com/office/drawing/2010/main" val="0"/>
+              </a:ext>
+            </a:extLst>
+          </a:blip>
+          <a:srcRect/>
+          <a:stretch>
+            <a:fillRect/>
+          </a:stretch>
+        </p:blipFill>
+        <p:spPr bwMode="auto">
+          <a:xfrm>
+            <a:off x="3088433" y="1670180"/>
+            <a:ext cx="5684655" cy="4398463"/>
+          </a:xfrm>
+          <a:prstGeom prst="rect">
+            <a:avLst/>
+          </a:prstGeom>
+          <a:noFill/>
+          <a:extLst>
+            <a:ext uri="{909E8E84-426E-40DD-AFC4-6F175D3DCCD1}">
+              <a14:hiddenFill xmlns:a14="http://schemas.microsoft.com/office/drawing/2010/main">
+                <a:solidFill>
+                  <a:srgbClr val="FFFFFF"/>
+                </a:solidFill>
+              </a14:hiddenFill>
+            </a:ext>
+          </a:extLst>
+        </p:spPr>
+      </p:pic>
+    </p:spTree>
+    <p:extLst>
+      <p:ext uri="{BB962C8B-B14F-4D97-AF65-F5344CB8AC3E}">
+        <p14:creationId xmlns:p14="http://schemas.microsoft.com/office/powerpoint/2010/main" val="3123336271"/>
       </p:ext>
     </p:extLst>
   </p:cSld>
